--- a/images/Figures.pptx
+++ b/images/Figures.pptx
@@ -104,6 +104,11 @@
       </a:defRPr>
     </a:lvl9pPr>
   </p:defaultTextStyle>
+  <p:extLst>
+    <p:ext uri="{EFAFB233-063F-42B5-8137-9DF3F51BA10A}">
+      <p15:sldGuideLst xmlns:p15="http://schemas.microsoft.com/office/powerpoint/2012/main"/>
+    </p:ext>
+  </p:extLst>
 </p:presentation>
 </file>
 
@@ -3323,10 +3328,10 @@
       </p:grpSpPr>
       <p:grpSp>
         <p:nvGrpSpPr>
-          <p:cNvPr id="18" name="Group 17">
-            <a:extLst>
-              <a:ext uri="{FF2B5EF4-FFF2-40B4-BE49-F238E27FC236}">
-                <a16:creationId xmlns:a16="http://schemas.microsoft.com/office/drawing/2014/main" id="{C5B6C190-4D3A-41EF-89AB-DB09E0003275}"/>
+          <p:cNvPr id="2" name="Group 1">
+            <a:extLst>
+              <a:ext uri="{FF2B5EF4-FFF2-40B4-BE49-F238E27FC236}">
+                <a16:creationId xmlns:a16="http://schemas.microsoft.com/office/drawing/2014/main" id="{4360D443-CAC0-4E9F-B99C-9796300B233B}"/>
               </a:ext>
             </a:extLst>
           </p:cNvPr>
@@ -3335,10 +3340,10 @@
         </p:nvGrpSpPr>
         <p:grpSpPr>
           <a:xfrm>
-            <a:off x="2170301" y="69036"/>
-            <a:ext cx="8559218" cy="6185104"/>
-            <a:chOff x="2170301" y="69036"/>
-            <a:chExt cx="8559218" cy="6185104"/>
+            <a:off x="2073583" y="-635465"/>
+            <a:ext cx="8655936" cy="7493465"/>
+            <a:chOff x="2073583" y="-635465"/>
+            <a:chExt cx="8655936" cy="7493465"/>
           </a:xfrm>
         </p:grpSpPr>
         <p:pic>
@@ -3369,8 +3374,8 @@
           </p:blipFill>
           <p:spPr>
             <a:xfrm>
-              <a:off x="3447659" y="69036"/>
-              <a:ext cx="5511783" cy="2770976"/>
+              <a:off x="2753770" y="-635465"/>
+              <a:ext cx="6899559" cy="3468662"/>
             </a:xfrm>
             <a:prstGeom prst="rect">
               <a:avLst/>
@@ -3442,8 +3447,8 @@
           </p:blipFill>
           <p:spPr>
             <a:xfrm>
-              <a:off x="3270935" y="3429000"/>
-              <a:ext cx="6036022" cy="2367793"/>
+              <a:off x="2073583" y="3283275"/>
+              <a:ext cx="8259932" cy="3240182"/>
             </a:xfrm>
             <a:prstGeom prst="rect">
               <a:avLst/>
@@ -3466,7 +3471,7 @@
               </p:nvSpPr>
               <p:spPr>
                 <a:xfrm>
-                  <a:off x="3270935" y="5977141"/>
+                  <a:off x="3048000" y="6581001"/>
                   <a:ext cx="6096000" cy="276999"/>
                 </a:xfrm>
                 <a:prstGeom prst="rect">
@@ -3527,7 +3532,7 @@
               </p:nvSpPr>
               <p:spPr>
                 <a:xfrm>
-                  <a:off x="3270935" y="5977141"/>
+                  <a:off x="3048000" y="6581001"/>
                   <a:ext cx="6096000" cy="276999"/>
                 </a:xfrm>
                 <a:prstGeom prst="rect">
